--- a/ppt 16-9/0581.主如明亮晨星.pptx
+++ b/ppt 16-9/0581.主如明亮晨星.pptx
@@ -129,7 +129,7 @@
           <p:cNvPr id="2" name="标题 1">
             <a:extLst>
               <a:ext uri="{FF2B5EF4-FFF2-40B4-BE49-F238E27FC236}">
-                <a16:creationId xmlns:a16="http://schemas.microsoft.com/office/drawing/2014/main" id="{89C9CCB9-8512-CD89-5028-64D35EC1BEBD}"/>
+                <a16:creationId xmlns:a16="http://schemas.microsoft.com/office/drawing/2014/main" id="{CB64E935-045E-9428-DE54-0E2363589C80}"/>
               </a:ext>
             </a:extLst>
           </p:cNvPr>
@@ -166,7 +166,7 @@
           <p:cNvPr id="3" name="副标题 2">
             <a:extLst>
               <a:ext uri="{FF2B5EF4-FFF2-40B4-BE49-F238E27FC236}">
-                <a16:creationId xmlns:a16="http://schemas.microsoft.com/office/drawing/2014/main" id="{92688E50-D22D-2AEE-BA6A-7B23DCE258DD}"/>
+                <a16:creationId xmlns:a16="http://schemas.microsoft.com/office/drawing/2014/main" id="{47444BA6-8AC3-049A-83F1-9702EF04BF31}"/>
               </a:ext>
             </a:extLst>
           </p:cNvPr>
@@ -236,7 +236,7 @@
           <p:cNvPr id="4" name="日期占位符 3">
             <a:extLst>
               <a:ext uri="{FF2B5EF4-FFF2-40B4-BE49-F238E27FC236}">
-                <a16:creationId xmlns:a16="http://schemas.microsoft.com/office/drawing/2014/main" id="{DAC55CF6-13E3-ED28-3816-D8CF0A077B85}"/>
+                <a16:creationId xmlns:a16="http://schemas.microsoft.com/office/drawing/2014/main" id="{5E96CF44-725E-2883-8A7A-AB07E98C873B}"/>
               </a:ext>
             </a:extLst>
           </p:cNvPr>
@@ -252,7 +252,7 @@
           <a:bodyPr/>
           <a:lstStyle/>
           <a:p>
-            <a:fld id="{D946F022-55B4-449B-AB19-3234B3436666}" type="datetimeFigureOut">
+            <a:fld id="{B16E2664-407C-4E5E-8A82-6183EA4F6D57}" type="datetimeFigureOut">
               <a:rPr lang="zh-CN" altLang="en-US" smtClean="0"/>
               <a:t>2024/3/10</a:t>
             </a:fld>
@@ -265,7 +265,7 @@
           <p:cNvPr id="5" name="页脚占位符 4">
             <a:extLst>
               <a:ext uri="{FF2B5EF4-FFF2-40B4-BE49-F238E27FC236}">
-                <a16:creationId xmlns:a16="http://schemas.microsoft.com/office/drawing/2014/main" id="{9CABE40C-29A2-6592-B64C-22B29C834726}"/>
+                <a16:creationId xmlns:a16="http://schemas.microsoft.com/office/drawing/2014/main" id="{9C939A21-A7CB-0CE2-53F3-040D990F32CA}"/>
               </a:ext>
             </a:extLst>
           </p:cNvPr>
@@ -290,7 +290,7 @@
           <p:cNvPr id="6" name="灯片编号占位符 5">
             <a:extLst>
               <a:ext uri="{FF2B5EF4-FFF2-40B4-BE49-F238E27FC236}">
-                <a16:creationId xmlns:a16="http://schemas.microsoft.com/office/drawing/2014/main" id="{CC205D23-5A03-467A-CB81-45E45556C5E6}"/>
+                <a16:creationId xmlns:a16="http://schemas.microsoft.com/office/drawing/2014/main" id="{DEBA63DA-53C4-068D-85D7-D36D717873C7}"/>
               </a:ext>
             </a:extLst>
           </p:cNvPr>
@@ -306,7 +306,7 @@
           <a:bodyPr/>
           <a:lstStyle/>
           <a:p>
-            <a:fld id="{201AE522-681E-4A51-8B4C-538CECB752ED}" type="slidenum">
+            <a:fld id="{D56778FD-8F01-4EE3-9302-19DB029D67D2}" type="slidenum">
               <a:rPr lang="zh-CN" altLang="en-US" smtClean="0"/>
               <a:t>‹#›</a:t>
             </a:fld>
@@ -317,7 +317,7 @@
     </p:spTree>
     <p:extLst>
       <p:ext uri="{BB962C8B-B14F-4D97-AF65-F5344CB8AC3E}">
-        <p14:creationId xmlns:p14="http://schemas.microsoft.com/office/powerpoint/2010/main" val="1435506634"/>
+        <p14:creationId xmlns:p14="http://schemas.microsoft.com/office/powerpoint/2010/main" val="2056795000"/>
       </p:ext>
     </p:extLst>
   </p:cSld>
@@ -349,7 +349,7 @@
           <p:cNvPr id="2" name="标题 1">
             <a:extLst>
               <a:ext uri="{FF2B5EF4-FFF2-40B4-BE49-F238E27FC236}">
-                <a16:creationId xmlns:a16="http://schemas.microsoft.com/office/drawing/2014/main" id="{849A1BF7-C013-2F28-52E9-D671CAD8BE83}"/>
+                <a16:creationId xmlns:a16="http://schemas.microsoft.com/office/drawing/2014/main" id="{DC0F0A42-DAC5-0AD3-0676-94DFD8BFA5B6}"/>
               </a:ext>
             </a:extLst>
           </p:cNvPr>
@@ -377,7 +377,7 @@
           <p:cNvPr id="3" name="竖排文字占位符 2">
             <a:extLst>
               <a:ext uri="{FF2B5EF4-FFF2-40B4-BE49-F238E27FC236}">
-                <a16:creationId xmlns:a16="http://schemas.microsoft.com/office/drawing/2014/main" id="{70701BF6-C302-B243-C01F-15E354B42674}"/>
+                <a16:creationId xmlns:a16="http://schemas.microsoft.com/office/drawing/2014/main" id="{70E5FB3F-E0D3-727D-7C64-4E3A59C4334D}"/>
               </a:ext>
             </a:extLst>
           </p:cNvPr>
@@ -434,7 +434,7 @@
           <p:cNvPr id="4" name="日期占位符 3">
             <a:extLst>
               <a:ext uri="{FF2B5EF4-FFF2-40B4-BE49-F238E27FC236}">
-                <a16:creationId xmlns:a16="http://schemas.microsoft.com/office/drawing/2014/main" id="{FCCAA77E-1BAF-520F-077D-B037F0E7FB64}"/>
+                <a16:creationId xmlns:a16="http://schemas.microsoft.com/office/drawing/2014/main" id="{FA312D55-FF97-80C2-ECE3-C5D2D78F7252}"/>
               </a:ext>
             </a:extLst>
           </p:cNvPr>
@@ -450,7 +450,7 @@
           <a:bodyPr/>
           <a:lstStyle/>
           <a:p>
-            <a:fld id="{D946F022-55B4-449B-AB19-3234B3436666}" type="datetimeFigureOut">
+            <a:fld id="{B16E2664-407C-4E5E-8A82-6183EA4F6D57}" type="datetimeFigureOut">
               <a:rPr lang="zh-CN" altLang="en-US" smtClean="0"/>
               <a:t>2024/3/10</a:t>
             </a:fld>
@@ -463,7 +463,7 @@
           <p:cNvPr id="5" name="页脚占位符 4">
             <a:extLst>
               <a:ext uri="{FF2B5EF4-FFF2-40B4-BE49-F238E27FC236}">
-                <a16:creationId xmlns:a16="http://schemas.microsoft.com/office/drawing/2014/main" id="{EBF97CAD-000B-1B5E-35D5-C01CE656D8B9}"/>
+                <a16:creationId xmlns:a16="http://schemas.microsoft.com/office/drawing/2014/main" id="{692B1D72-8BCC-C42C-65C6-849E53A74F1C}"/>
               </a:ext>
             </a:extLst>
           </p:cNvPr>
@@ -488,7 +488,7 @@
           <p:cNvPr id="6" name="灯片编号占位符 5">
             <a:extLst>
               <a:ext uri="{FF2B5EF4-FFF2-40B4-BE49-F238E27FC236}">
-                <a16:creationId xmlns:a16="http://schemas.microsoft.com/office/drawing/2014/main" id="{C123A10F-5949-C862-B9C2-E7BC4B9A7E1E}"/>
+                <a16:creationId xmlns:a16="http://schemas.microsoft.com/office/drawing/2014/main" id="{84FF2D9C-47C3-2405-3F19-FA0868BA91A6}"/>
               </a:ext>
             </a:extLst>
           </p:cNvPr>
@@ -504,7 +504,7 @@
           <a:bodyPr/>
           <a:lstStyle/>
           <a:p>
-            <a:fld id="{201AE522-681E-4A51-8B4C-538CECB752ED}" type="slidenum">
+            <a:fld id="{D56778FD-8F01-4EE3-9302-19DB029D67D2}" type="slidenum">
               <a:rPr lang="zh-CN" altLang="en-US" smtClean="0"/>
               <a:t>‹#›</a:t>
             </a:fld>
@@ -515,7 +515,7 @@
     </p:spTree>
     <p:extLst>
       <p:ext uri="{BB962C8B-B14F-4D97-AF65-F5344CB8AC3E}">
-        <p14:creationId xmlns:p14="http://schemas.microsoft.com/office/powerpoint/2010/main" val="3100351605"/>
+        <p14:creationId xmlns:p14="http://schemas.microsoft.com/office/powerpoint/2010/main" val="559883645"/>
       </p:ext>
     </p:extLst>
   </p:cSld>
@@ -547,7 +547,7 @@
           <p:cNvPr id="2" name="竖排标题 1">
             <a:extLst>
               <a:ext uri="{FF2B5EF4-FFF2-40B4-BE49-F238E27FC236}">
-                <a16:creationId xmlns:a16="http://schemas.microsoft.com/office/drawing/2014/main" id="{D18CAA19-FE7F-3AF0-39D4-FAC14EE8AF96}"/>
+                <a16:creationId xmlns:a16="http://schemas.microsoft.com/office/drawing/2014/main" id="{D9CC8BB3-5847-AAFE-D8F0-CF2FC1FB7375}"/>
               </a:ext>
             </a:extLst>
           </p:cNvPr>
@@ -580,7 +580,7 @@
           <p:cNvPr id="3" name="竖排文字占位符 2">
             <a:extLst>
               <a:ext uri="{FF2B5EF4-FFF2-40B4-BE49-F238E27FC236}">
-                <a16:creationId xmlns:a16="http://schemas.microsoft.com/office/drawing/2014/main" id="{5EDB6048-E442-88EB-30C0-0571CD4004CD}"/>
+                <a16:creationId xmlns:a16="http://schemas.microsoft.com/office/drawing/2014/main" id="{BEC33E7B-5B76-97B2-DE17-D1105E798E83}"/>
               </a:ext>
             </a:extLst>
           </p:cNvPr>
@@ -642,7 +642,7 @@
           <p:cNvPr id="4" name="日期占位符 3">
             <a:extLst>
               <a:ext uri="{FF2B5EF4-FFF2-40B4-BE49-F238E27FC236}">
-                <a16:creationId xmlns:a16="http://schemas.microsoft.com/office/drawing/2014/main" id="{ED93C23B-C163-86A0-0E26-176070F58372}"/>
+                <a16:creationId xmlns:a16="http://schemas.microsoft.com/office/drawing/2014/main" id="{09FC2F1A-B9B3-0275-4CE2-07BE729356AE}"/>
               </a:ext>
             </a:extLst>
           </p:cNvPr>
@@ -658,7 +658,7 @@
           <a:bodyPr/>
           <a:lstStyle/>
           <a:p>
-            <a:fld id="{D946F022-55B4-449B-AB19-3234B3436666}" type="datetimeFigureOut">
+            <a:fld id="{B16E2664-407C-4E5E-8A82-6183EA4F6D57}" type="datetimeFigureOut">
               <a:rPr lang="zh-CN" altLang="en-US" smtClean="0"/>
               <a:t>2024/3/10</a:t>
             </a:fld>
@@ -671,7 +671,7 @@
           <p:cNvPr id="5" name="页脚占位符 4">
             <a:extLst>
               <a:ext uri="{FF2B5EF4-FFF2-40B4-BE49-F238E27FC236}">
-                <a16:creationId xmlns:a16="http://schemas.microsoft.com/office/drawing/2014/main" id="{44FABDA9-ED58-EB46-18D2-E655F309435E}"/>
+                <a16:creationId xmlns:a16="http://schemas.microsoft.com/office/drawing/2014/main" id="{FD6DD8CD-4694-F2AB-B6EF-EC77D805E064}"/>
               </a:ext>
             </a:extLst>
           </p:cNvPr>
@@ -696,7 +696,7 @@
           <p:cNvPr id="6" name="灯片编号占位符 5">
             <a:extLst>
               <a:ext uri="{FF2B5EF4-FFF2-40B4-BE49-F238E27FC236}">
-                <a16:creationId xmlns:a16="http://schemas.microsoft.com/office/drawing/2014/main" id="{7420A83E-E1AC-CD99-FF8C-124B94DA696F}"/>
+                <a16:creationId xmlns:a16="http://schemas.microsoft.com/office/drawing/2014/main" id="{BC8293EE-8564-B0C2-8BDE-D87F018743A7}"/>
               </a:ext>
             </a:extLst>
           </p:cNvPr>
@@ -712,7 +712,7 @@
           <a:bodyPr/>
           <a:lstStyle/>
           <a:p>
-            <a:fld id="{201AE522-681E-4A51-8B4C-538CECB752ED}" type="slidenum">
+            <a:fld id="{D56778FD-8F01-4EE3-9302-19DB029D67D2}" type="slidenum">
               <a:rPr lang="zh-CN" altLang="en-US" smtClean="0"/>
               <a:t>‹#›</a:t>
             </a:fld>
@@ -723,7 +723,7 @@
     </p:spTree>
     <p:extLst>
       <p:ext uri="{BB962C8B-B14F-4D97-AF65-F5344CB8AC3E}">
-        <p14:creationId xmlns:p14="http://schemas.microsoft.com/office/powerpoint/2010/main" val="381144234"/>
+        <p14:creationId xmlns:p14="http://schemas.microsoft.com/office/powerpoint/2010/main" val="3637766686"/>
       </p:ext>
     </p:extLst>
   </p:cSld>
@@ -755,7 +755,7 @@
           <p:cNvPr id="2" name="标题 1">
             <a:extLst>
               <a:ext uri="{FF2B5EF4-FFF2-40B4-BE49-F238E27FC236}">
-                <a16:creationId xmlns:a16="http://schemas.microsoft.com/office/drawing/2014/main" id="{A0D11417-67B7-73D8-EF31-7736BBA7404B}"/>
+                <a16:creationId xmlns:a16="http://schemas.microsoft.com/office/drawing/2014/main" id="{8668B7A4-98E2-049D-AA9E-440A59A6BB95}"/>
               </a:ext>
             </a:extLst>
           </p:cNvPr>
@@ -783,7 +783,7 @@
           <p:cNvPr id="3" name="内容占位符 2">
             <a:extLst>
               <a:ext uri="{FF2B5EF4-FFF2-40B4-BE49-F238E27FC236}">
-                <a16:creationId xmlns:a16="http://schemas.microsoft.com/office/drawing/2014/main" id="{CAA38078-C086-6ACD-9BF6-FA79F151EB26}"/>
+                <a16:creationId xmlns:a16="http://schemas.microsoft.com/office/drawing/2014/main" id="{FD2BC697-7830-4DB4-816F-9A7E75712524}"/>
               </a:ext>
             </a:extLst>
           </p:cNvPr>
@@ -840,7 +840,7 @@
           <p:cNvPr id="4" name="日期占位符 3">
             <a:extLst>
               <a:ext uri="{FF2B5EF4-FFF2-40B4-BE49-F238E27FC236}">
-                <a16:creationId xmlns:a16="http://schemas.microsoft.com/office/drawing/2014/main" id="{408DAC32-7830-9296-7AFA-CA57B4278241}"/>
+                <a16:creationId xmlns:a16="http://schemas.microsoft.com/office/drawing/2014/main" id="{C6CD90C5-55C5-E922-B830-4B3D28659C0F}"/>
               </a:ext>
             </a:extLst>
           </p:cNvPr>
@@ -856,7 +856,7 @@
           <a:bodyPr/>
           <a:lstStyle/>
           <a:p>
-            <a:fld id="{D946F022-55B4-449B-AB19-3234B3436666}" type="datetimeFigureOut">
+            <a:fld id="{B16E2664-407C-4E5E-8A82-6183EA4F6D57}" type="datetimeFigureOut">
               <a:rPr lang="zh-CN" altLang="en-US" smtClean="0"/>
               <a:t>2024/3/10</a:t>
             </a:fld>
@@ -869,7 +869,7 @@
           <p:cNvPr id="5" name="页脚占位符 4">
             <a:extLst>
               <a:ext uri="{FF2B5EF4-FFF2-40B4-BE49-F238E27FC236}">
-                <a16:creationId xmlns:a16="http://schemas.microsoft.com/office/drawing/2014/main" id="{CDD1F5AC-CE66-5B13-CDB2-F1B8C8179B72}"/>
+                <a16:creationId xmlns:a16="http://schemas.microsoft.com/office/drawing/2014/main" id="{520378E4-EE02-6E4D-5D3A-C2E5F5AE36B7}"/>
               </a:ext>
             </a:extLst>
           </p:cNvPr>
@@ -894,7 +894,7 @@
           <p:cNvPr id="6" name="灯片编号占位符 5">
             <a:extLst>
               <a:ext uri="{FF2B5EF4-FFF2-40B4-BE49-F238E27FC236}">
-                <a16:creationId xmlns:a16="http://schemas.microsoft.com/office/drawing/2014/main" id="{56FDD7A7-C81E-45E8-11F9-8BF2CF3B8510}"/>
+                <a16:creationId xmlns:a16="http://schemas.microsoft.com/office/drawing/2014/main" id="{31563DAF-DA76-ACF6-B63D-4FEE2A516B27}"/>
               </a:ext>
             </a:extLst>
           </p:cNvPr>
@@ -910,7 +910,7 @@
           <a:bodyPr/>
           <a:lstStyle/>
           <a:p>
-            <a:fld id="{201AE522-681E-4A51-8B4C-538CECB752ED}" type="slidenum">
+            <a:fld id="{D56778FD-8F01-4EE3-9302-19DB029D67D2}" type="slidenum">
               <a:rPr lang="zh-CN" altLang="en-US" smtClean="0"/>
               <a:t>‹#›</a:t>
             </a:fld>
@@ -921,7 +921,7 @@
     </p:spTree>
     <p:extLst>
       <p:ext uri="{BB962C8B-B14F-4D97-AF65-F5344CB8AC3E}">
-        <p14:creationId xmlns:p14="http://schemas.microsoft.com/office/powerpoint/2010/main" val="356313108"/>
+        <p14:creationId xmlns:p14="http://schemas.microsoft.com/office/powerpoint/2010/main" val="3349457355"/>
       </p:ext>
     </p:extLst>
   </p:cSld>
@@ -953,7 +953,7 @@
           <p:cNvPr id="2" name="标题 1">
             <a:extLst>
               <a:ext uri="{FF2B5EF4-FFF2-40B4-BE49-F238E27FC236}">
-                <a16:creationId xmlns:a16="http://schemas.microsoft.com/office/drawing/2014/main" id="{A5DB5487-9C71-3DFC-325F-2242ACD9AF29}"/>
+                <a16:creationId xmlns:a16="http://schemas.microsoft.com/office/drawing/2014/main" id="{CDB8194E-AE30-9398-4E2F-C7B8073CFAE5}"/>
               </a:ext>
             </a:extLst>
           </p:cNvPr>
@@ -990,7 +990,7 @@
           <p:cNvPr id="3" name="文本占位符 2">
             <a:extLst>
               <a:ext uri="{FF2B5EF4-FFF2-40B4-BE49-F238E27FC236}">
-                <a16:creationId xmlns:a16="http://schemas.microsoft.com/office/drawing/2014/main" id="{81C9C44F-EB62-ED04-384F-49BB5665C765}"/>
+                <a16:creationId xmlns:a16="http://schemas.microsoft.com/office/drawing/2014/main" id="{222DC209-6CB1-1898-F0B5-3D9416DF6770}"/>
               </a:ext>
             </a:extLst>
           </p:cNvPr>
@@ -1115,7 +1115,7 @@
           <p:cNvPr id="4" name="日期占位符 3">
             <a:extLst>
               <a:ext uri="{FF2B5EF4-FFF2-40B4-BE49-F238E27FC236}">
-                <a16:creationId xmlns:a16="http://schemas.microsoft.com/office/drawing/2014/main" id="{4368153D-4F7D-5720-4A74-7CDE88E3EA16}"/>
+                <a16:creationId xmlns:a16="http://schemas.microsoft.com/office/drawing/2014/main" id="{D15583CA-ED27-9F26-20E8-FFD2E7B686BA}"/>
               </a:ext>
             </a:extLst>
           </p:cNvPr>
@@ -1131,7 +1131,7 @@
           <a:bodyPr/>
           <a:lstStyle/>
           <a:p>
-            <a:fld id="{D946F022-55B4-449B-AB19-3234B3436666}" type="datetimeFigureOut">
+            <a:fld id="{B16E2664-407C-4E5E-8A82-6183EA4F6D57}" type="datetimeFigureOut">
               <a:rPr lang="zh-CN" altLang="en-US" smtClean="0"/>
               <a:t>2024/3/10</a:t>
             </a:fld>
@@ -1144,7 +1144,7 @@
           <p:cNvPr id="5" name="页脚占位符 4">
             <a:extLst>
               <a:ext uri="{FF2B5EF4-FFF2-40B4-BE49-F238E27FC236}">
-                <a16:creationId xmlns:a16="http://schemas.microsoft.com/office/drawing/2014/main" id="{35B7F698-B26D-227F-40DA-20BAE6D674CD}"/>
+                <a16:creationId xmlns:a16="http://schemas.microsoft.com/office/drawing/2014/main" id="{B1B07A86-89F2-806E-3AED-7859A20D6A80}"/>
               </a:ext>
             </a:extLst>
           </p:cNvPr>
@@ -1169,7 +1169,7 @@
           <p:cNvPr id="6" name="灯片编号占位符 5">
             <a:extLst>
               <a:ext uri="{FF2B5EF4-FFF2-40B4-BE49-F238E27FC236}">
-                <a16:creationId xmlns:a16="http://schemas.microsoft.com/office/drawing/2014/main" id="{6FC91F8E-B340-37D9-F0AD-A7ED7D1A9E08}"/>
+                <a16:creationId xmlns:a16="http://schemas.microsoft.com/office/drawing/2014/main" id="{83220CA4-E75C-030F-7A78-9AE84126BEC1}"/>
               </a:ext>
             </a:extLst>
           </p:cNvPr>
@@ -1185,7 +1185,7 @@
           <a:bodyPr/>
           <a:lstStyle/>
           <a:p>
-            <a:fld id="{201AE522-681E-4A51-8B4C-538CECB752ED}" type="slidenum">
+            <a:fld id="{D56778FD-8F01-4EE3-9302-19DB029D67D2}" type="slidenum">
               <a:rPr lang="zh-CN" altLang="en-US" smtClean="0"/>
               <a:t>‹#›</a:t>
             </a:fld>
@@ -1196,7 +1196,7 @@
     </p:spTree>
     <p:extLst>
       <p:ext uri="{BB962C8B-B14F-4D97-AF65-F5344CB8AC3E}">
-        <p14:creationId xmlns:p14="http://schemas.microsoft.com/office/powerpoint/2010/main" val="2264029209"/>
+        <p14:creationId xmlns:p14="http://schemas.microsoft.com/office/powerpoint/2010/main" val="4058057685"/>
       </p:ext>
     </p:extLst>
   </p:cSld>
@@ -1228,7 +1228,7 @@
           <p:cNvPr id="2" name="标题 1">
             <a:extLst>
               <a:ext uri="{FF2B5EF4-FFF2-40B4-BE49-F238E27FC236}">
-                <a16:creationId xmlns:a16="http://schemas.microsoft.com/office/drawing/2014/main" id="{ADB1F97B-8D22-4516-B053-2091FFA5181A}"/>
+                <a16:creationId xmlns:a16="http://schemas.microsoft.com/office/drawing/2014/main" id="{0387689C-1E29-D796-C3CC-D802BCFD1325}"/>
               </a:ext>
             </a:extLst>
           </p:cNvPr>
@@ -1256,7 +1256,7 @@
           <p:cNvPr id="3" name="内容占位符 2">
             <a:extLst>
               <a:ext uri="{FF2B5EF4-FFF2-40B4-BE49-F238E27FC236}">
-                <a16:creationId xmlns:a16="http://schemas.microsoft.com/office/drawing/2014/main" id="{83E97143-2BBF-47BD-3BC9-26E2AD96F9EB}"/>
+                <a16:creationId xmlns:a16="http://schemas.microsoft.com/office/drawing/2014/main" id="{3F0D7DCF-1CEA-34DF-40FB-468D9D988560}"/>
               </a:ext>
             </a:extLst>
           </p:cNvPr>
@@ -1318,7 +1318,7 @@
           <p:cNvPr id="4" name="内容占位符 3">
             <a:extLst>
               <a:ext uri="{FF2B5EF4-FFF2-40B4-BE49-F238E27FC236}">
-                <a16:creationId xmlns:a16="http://schemas.microsoft.com/office/drawing/2014/main" id="{5714F235-4424-4B51-8D99-77EEB17318C9}"/>
+                <a16:creationId xmlns:a16="http://schemas.microsoft.com/office/drawing/2014/main" id="{C98600CB-D2D6-3A3D-D04B-C9659955B117}"/>
               </a:ext>
             </a:extLst>
           </p:cNvPr>
@@ -1380,7 +1380,7 @@
           <p:cNvPr id="5" name="日期占位符 4">
             <a:extLst>
               <a:ext uri="{FF2B5EF4-FFF2-40B4-BE49-F238E27FC236}">
-                <a16:creationId xmlns:a16="http://schemas.microsoft.com/office/drawing/2014/main" id="{A470693B-77DF-47E7-6AD8-11AC71A94D40}"/>
+                <a16:creationId xmlns:a16="http://schemas.microsoft.com/office/drawing/2014/main" id="{CF4672D5-9072-12D1-2A89-E2644707EFEA}"/>
               </a:ext>
             </a:extLst>
           </p:cNvPr>
@@ -1396,7 +1396,7 @@
           <a:bodyPr/>
           <a:lstStyle/>
           <a:p>
-            <a:fld id="{D946F022-55B4-449B-AB19-3234B3436666}" type="datetimeFigureOut">
+            <a:fld id="{B16E2664-407C-4E5E-8A82-6183EA4F6D57}" type="datetimeFigureOut">
               <a:rPr lang="zh-CN" altLang="en-US" smtClean="0"/>
               <a:t>2024/3/10</a:t>
             </a:fld>
@@ -1409,7 +1409,7 @@
           <p:cNvPr id="6" name="页脚占位符 5">
             <a:extLst>
               <a:ext uri="{FF2B5EF4-FFF2-40B4-BE49-F238E27FC236}">
-                <a16:creationId xmlns:a16="http://schemas.microsoft.com/office/drawing/2014/main" id="{4DB74F1A-896C-1235-0D6C-978F5AB44028}"/>
+                <a16:creationId xmlns:a16="http://schemas.microsoft.com/office/drawing/2014/main" id="{EBDDC0AB-DB1B-56FF-B2F4-5443703E5C0D}"/>
               </a:ext>
             </a:extLst>
           </p:cNvPr>
@@ -1434,7 +1434,7 @@
           <p:cNvPr id="7" name="灯片编号占位符 6">
             <a:extLst>
               <a:ext uri="{FF2B5EF4-FFF2-40B4-BE49-F238E27FC236}">
-                <a16:creationId xmlns:a16="http://schemas.microsoft.com/office/drawing/2014/main" id="{DA37ECDC-B372-68EF-68EB-7AD3D69D6DEB}"/>
+                <a16:creationId xmlns:a16="http://schemas.microsoft.com/office/drawing/2014/main" id="{295C3AF3-097C-AD08-89E0-342BFA5C3DE8}"/>
               </a:ext>
             </a:extLst>
           </p:cNvPr>
@@ -1450,7 +1450,7 @@
           <a:bodyPr/>
           <a:lstStyle/>
           <a:p>
-            <a:fld id="{201AE522-681E-4A51-8B4C-538CECB752ED}" type="slidenum">
+            <a:fld id="{D56778FD-8F01-4EE3-9302-19DB029D67D2}" type="slidenum">
               <a:rPr lang="zh-CN" altLang="en-US" smtClean="0"/>
               <a:t>‹#›</a:t>
             </a:fld>
@@ -1461,7 +1461,7 @@
     </p:spTree>
     <p:extLst>
       <p:ext uri="{BB962C8B-B14F-4D97-AF65-F5344CB8AC3E}">
-        <p14:creationId xmlns:p14="http://schemas.microsoft.com/office/powerpoint/2010/main" val="2908964711"/>
+        <p14:creationId xmlns:p14="http://schemas.microsoft.com/office/powerpoint/2010/main" val="1062798697"/>
       </p:ext>
     </p:extLst>
   </p:cSld>
@@ -1493,7 +1493,7 @@
           <p:cNvPr id="2" name="标题 1">
             <a:extLst>
               <a:ext uri="{FF2B5EF4-FFF2-40B4-BE49-F238E27FC236}">
-                <a16:creationId xmlns:a16="http://schemas.microsoft.com/office/drawing/2014/main" id="{9A5664B4-F9F0-5973-3857-78B5478A0841}"/>
+                <a16:creationId xmlns:a16="http://schemas.microsoft.com/office/drawing/2014/main" id="{9F43E086-131F-DA67-0F9D-8B46E5F5F874}"/>
               </a:ext>
             </a:extLst>
           </p:cNvPr>
@@ -1526,7 +1526,7 @@
           <p:cNvPr id="3" name="文本占位符 2">
             <a:extLst>
               <a:ext uri="{FF2B5EF4-FFF2-40B4-BE49-F238E27FC236}">
-                <a16:creationId xmlns:a16="http://schemas.microsoft.com/office/drawing/2014/main" id="{BD47A7A4-CF44-EC58-9DF8-BC72EFFEDCE8}"/>
+                <a16:creationId xmlns:a16="http://schemas.microsoft.com/office/drawing/2014/main" id="{A2E4A0B4-BC13-F9A5-4B74-C30A526E89D6}"/>
               </a:ext>
             </a:extLst>
           </p:cNvPr>
@@ -1597,7 +1597,7 @@
           <p:cNvPr id="4" name="内容占位符 3">
             <a:extLst>
               <a:ext uri="{FF2B5EF4-FFF2-40B4-BE49-F238E27FC236}">
-                <a16:creationId xmlns:a16="http://schemas.microsoft.com/office/drawing/2014/main" id="{C9E23A20-CC9A-81DB-C790-985224D0E073}"/>
+                <a16:creationId xmlns:a16="http://schemas.microsoft.com/office/drawing/2014/main" id="{EB372140-1E06-AC5F-E872-15391F085DF3}"/>
               </a:ext>
             </a:extLst>
           </p:cNvPr>
@@ -1659,7 +1659,7 @@
           <p:cNvPr id="5" name="文本占位符 4">
             <a:extLst>
               <a:ext uri="{FF2B5EF4-FFF2-40B4-BE49-F238E27FC236}">
-                <a16:creationId xmlns:a16="http://schemas.microsoft.com/office/drawing/2014/main" id="{41D52AEC-61D1-4F7C-B23F-BAA1B08EE25B}"/>
+                <a16:creationId xmlns:a16="http://schemas.microsoft.com/office/drawing/2014/main" id="{2AA45BF5-9E46-EBE0-1C62-484AE7A300B2}"/>
               </a:ext>
             </a:extLst>
           </p:cNvPr>
@@ -1730,7 +1730,7 @@
           <p:cNvPr id="6" name="内容占位符 5">
             <a:extLst>
               <a:ext uri="{FF2B5EF4-FFF2-40B4-BE49-F238E27FC236}">
-                <a16:creationId xmlns:a16="http://schemas.microsoft.com/office/drawing/2014/main" id="{3F6B90D2-D542-6A12-9541-A73EA906E464}"/>
+                <a16:creationId xmlns:a16="http://schemas.microsoft.com/office/drawing/2014/main" id="{2005D635-28C9-8AF8-80CE-078F8ECBAD0C}"/>
               </a:ext>
             </a:extLst>
           </p:cNvPr>
@@ -1792,7 +1792,7 @@
           <p:cNvPr id="7" name="日期占位符 6">
             <a:extLst>
               <a:ext uri="{FF2B5EF4-FFF2-40B4-BE49-F238E27FC236}">
-                <a16:creationId xmlns:a16="http://schemas.microsoft.com/office/drawing/2014/main" id="{AFB56DB3-3F59-71F2-CFAB-D2619469073C}"/>
+                <a16:creationId xmlns:a16="http://schemas.microsoft.com/office/drawing/2014/main" id="{1B1CF7A7-0371-546D-C99A-D122F653F8E5}"/>
               </a:ext>
             </a:extLst>
           </p:cNvPr>
@@ -1808,7 +1808,7 @@
           <a:bodyPr/>
           <a:lstStyle/>
           <a:p>
-            <a:fld id="{D946F022-55B4-449B-AB19-3234B3436666}" type="datetimeFigureOut">
+            <a:fld id="{B16E2664-407C-4E5E-8A82-6183EA4F6D57}" type="datetimeFigureOut">
               <a:rPr lang="zh-CN" altLang="en-US" smtClean="0"/>
               <a:t>2024/3/10</a:t>
             </a:fld>
@@ -1821,7 +1821,7 @@
           <p:cNvPr id="8" name="页脚占位符 7">
             <a:extLst>
               <a:ext uri="{FF2B5EF4-FFF2-40B4-BE49-F238E27FC236}">
-                <a16:creationId xmlns:a16="http://schemas.microsoft.com/office/drawing/2014/main" id="{0FF68F6C-14CB-5D71-4E6D-6E4C72103620}"/>
+                <a16:creationId xmlns:a16="http://schemas.microsoft.com/office/drawing/2014/main" id="{2F22D529-FED1-07E4-DBF8-BF14E09CCEA7}"/>
               </a:ext>
             </a:extLst>
           </p:cNvPr>
@@ -1846,7 +1846,7 @@
           <p:cNvPr id="9" name="灯片编号占位符 8">
             <a:extLst>
               <a:ext uri="{FF2B5EF4-FFF2-40B4-BE49-F238E27FC236}">
-                <a16:creationId xmlns:a16="http://schemas.microsoft.com/office/drawing/2014/main" id="{3F642A44-580F-1CE5-04F4-05FD14E4BCC2}"/>
+                <a16:creationId xmlns:a16="http://schemas.microsoft.com/office/drawing/2014/main" id="{BEC8B13A-576C-F543-5552-EF1C35D43694}"/>
               </a:ext>
             </a:extLst>
           </p:cNvPr>
@@ -1862,7 +1862,7 @@
           <a:bodyPr/>
           <a:lstStyle/>
           <a:p>
-            <a:fld id="{201AE522-681E-4A51-8B4C-538CECB752ED}" type="slidenum">
+            <a:fld id="{D56778FD-8F01-4EE3-9302-19DB029D67D2}" type="slidenum">
               <a:rPr lang="zh-CN" altLang="en-US" smtClean="0"/>
               <a:t>‹#›</a:t>
             </a:fld>
@@ -1873,7 +1873,7 @@
     </p:spTree>
     <p:extLst>
       <p:ext uri="{BB962C8B-B14F-4D97-AF65-F5344CB8AC3E}">
-        <p14:creationId xmlns:p14="http://schemas.microsoft.com/office/powerpoint/2010/main" val="375082295"/>
+        <p14:creationId xmlns:p14="http://schemas.microsoft.com/office/powerpoint/2010/main" val="3793811640"/>
       </p:ext>
     </p:extLst>
   </p:cSld>
@@ -1905,7 +1905,7 @@
           <p:cNvPr id="2" name="标题 1">
             <a:extLst>
               <a:ext uri="{FF2B5EF4-FFF2-40B4-BE49-F238E27FC236}">
-                <a16:creationId xmlns:a16="http://schemas.microsoft.com/office/drawing/2014/main" id="{378B8A1A-D83A-DE2E-172E-9B6598267EB0}"/>
+                <a16:creationId xmlns:a16="http://schemas.microsoft.com/office/drawing/2014/main" id="{6B01D058-7E4E-B6C7-ACF8-50B719835857}"/>
               </a:ext>
             </a:extLst>
           </p:cNvPr>
@@ -1933,7 +1933,7 @@
           <p:cNvPr id="3" name="日期占位符 2">
             <a:extLst>
               <a:ext uri="{FF2B5EF4-FFF2-40B4-BE49-F238E27FC236}">
-                <a16:creationId xmlns:a16="http://schemas.microsoft.com/office/drawing/2014/main" id="{2B28A3A2-8309-7052-30CA-01181F284083}"/>
+                <a16:creationId xmlns:a16="http://schemas.microsoft.com/office/drawing/2014/main" id="{17DA6312-9315-D89F-A5C5-E17ECB920E09}"/>
               </a:ext>
             </a:extLst>
           </p:cNvPr>
@@ -1949,7 +1949,7 @@
           <a:bodyPr/>
           <a:lstStyle/>
           <a:p>
-            <a:fld id="{D946F022-55B4-449B-AB19-3234B3436666}" type="datetimeFigureOut">
+            <a:fld id="{B16E2664-407C-4E5E-8A82-6183EA4F6D57}" type="datetimeFigureOut">
               <a:rPr lang="zh-CN" altLang="en-US" smtClean="0"/>
               <a:t>2024/3/10</a:t>
             </a:fld>
@@ -1962,7 +1962,7 @@
           <p:cNvPr id="4" name="页脚占位符 3">
             <a:extLst>
               <a:ext uri="{FF2B5EF4-FFF2-40B4-BE49-F238E27FC236}">
-                <a16:creationId xmlns:a16="http://schemas.microsoft.com/office/drawing/2014/main" id="{9793B494-C5A1-07D0-165D-6B5CCD57A757}"/>
+                <a16:creationId xmlns:a16="http://schemas.microsoft.com/office/drawing/2014/main" id="{4CAEAB95-C43C-5756-671B-F747863E5A67}"/>
               </a:ext>
             </a:extLst>
           </p:cNvPr>
@@ -1987,7 +1987,7 @@
           <p:cNvPr id="5" name="灯片编号占位符 4">
             <a:extLst>
               <a:ext uri="{FF2B5EF4-FFF2-40B4-BE49-F238E27FC236}">
-                <a16:creationId xmlns:a16="http://schemas.microsoft.com/office/drawing/2014/main" id="{13979863-3B12-11AA-8BF2-EBEF9032B119}"/>
+                <a16:creationId xmlns:a16="http://schemas.microsoft.com/office/drawing/2014/main" id="{C1E061D7-596E-5827-E9A4-484B94A08402}"/>
               </a:ext>
             </a:extLst>
           </p:cNvPr>
@@ -2003,7 +2003,7 @@
           <a:bodyPr/>
           <a:lstStyle/>
           <a:p>
-            <a:fld id="{201AE522-681E-4A51-8B4C-538CECB752ED}" type="slidenum">
+            <a:fld id="{D56778FD-8F01-4EE3-9302-19DB029D67D2}" type="slidenum">
               <a:rPr lang="zh-CN" altLang="en-US" smtClean="0"/>
               <a:t>‹#›</a:t>
             </a:fld>
@@ -2014,7 +2014,7 @@
     </p:spTree>
     <p:extLst>
       <p:ext uri="{BB962C8B-B14F-4D97-AF65-F5344CB8AC3E}">
-        <p14:creationId xmlns:p14="http://schemas.microsoft.com/office/powerpoint/2010/main" val="677094677"/>
+        <p14:creationId xmlns:p14="http://schemas.microsoft.com/office/powerpoint/2010/main" val="1214997321"/>
       </p:ext>
     </p:extLst>
   </p:cSld>
@@ -2046,7 +2046,7 @@
           <p:cNvPr id="2" name="日期占位符 1">
             <a:extLst>
               <a:ext uri="{FF2B5EF4-FFF2-40B4-BE49-F238E27FC236}">
-                <a16:creationId xmlns:a16="http://schemas.microsoft.com/office/drawing/2014/main" id="{CD07815A-836C-1488-599C-BF406D3A4AFA}"/>
+                <a16:creationId xmlns:a16="http://schemas.microsoft.com/office/drawing/2014/main" id="{DF5B473C-F165-61CF-815E-3BE140002011}"/>
               </a:ext>
             </a:extLst>
           </p:cNvPr>
@@ -2062,7 +2062,7 @@
           <a:bodyPr/>
           <a:lstStyle/>
           <a:p>
-            <a:fld id="{D946F022-55B4-449B-AB19-3234B3436666}" type="datetimeFigureOut">
+            <a:fld id="{B16E2664-407C-4E5E-8A82-6183EA4F6D57}" type="datetimeFigureOut">
               <a:rPr lang="zh-CN" altLang="en-US" smtClean="0"/>
               <a:t>2024/3/10</a:t>
             </a:fld>
@@ -2075,7 +2075,7 @@
           <p:cNvPr id="3" name="页脚占位符 2">
             <a:extLst>
               <a:ext uri="{FF2B5EF4-FFF2-40B4-BE49-F238E27FC236}">
-                <a16:creationId xmlns:a16="http://schemas.microsoft.com/office/drawing/2014/main" id="{3B6B10C7-C90D-9F86-6A26-EEA298004D3E}"/>
+                <a16:creationId xmlns:a16="http://schemas.microsoft.com/office/drawing/2014/main" id="{25B0C694-A4E5-133B-A4B6-AD759054D496}"/>
               </a:ext>
             </a:extLst>
           </p:cNvPr>
@@ -2100,7 +2100,7 @@
           <p:cNvPr id="4" name="灯片编号占位符 3">
             <a:extLst>
               <a:ext uri="{FF2B5EF4-FFF2-40B4-BE49-F238E27FC236}">
-                <a16:creationId xmlns:a16="http://schemas.microsoft.com/office/drawing/2014/main" id="{6061C26A-42A9-B501-BA9B-ACC870810735}"/>
+                <a16:creationId xmlns:a16="http://schemas.microsoft.com/office/drawing/2014/main" id="{BD6BE900-AF73-6214-DA01-57D5BAAC5015}"/>
               </a:ext>
             </a:extLst>
           </p:cNvPr>
@@ -2116,7 +2116,7 @@
           <a:bodyPr/>
           <a:lstStyle/>
           <a:p>
-            <a:fld id="{201AE522-681E-4A51-8B4C-538CECB752ED}" type="slidenum">
+            <a:fld id="{D56778FD-8F01-4EE3-9302-19DB029D67D2}" type="slidenum">
               <a:rPr lang="zh-CN" altLang="en-US" smtClean="0"/>
               <a:t>‹#›</a:t>
             </a:fld>
@@ -2127,7 +2127,7 @@
     </p:spTree>
     <p:extLst>
       <p:ext uri="{BB962C8B-B14F-4D97-AF65-F5344CB8AC3E}">
-        <p14:creationId xmlns:p14="http://schemas.microsoft.com/office/powerpoint/2010/main" val="1032323266"/>
+        <p14:creationId xmlns:p14="http://schemas.microsoft.com/office/powerpoint/2010/main" val="3925222671"/>
       </p:ext>
     </p:extLst>
   </p:cSld>
@@ -2159,7 +2159,7 @@
           <p:cNvPr id="2" name="标题 1">
             <a:extLst>
               <a:ext uri="{FF2B5EF4-FFF2-40B4-BE49-F238E27FC236}">
-                <a16:creationId xmlns:a16="http://schemas.microsoft.com/office/drawing/2014/main" id="{220FB292-B895-0A42-FDB8-C95C023149D9}"/>
+                <a16:creationId xmlns:a16="http://schemas.microsoft.com/office/drawing/2014/main" id="{23EEAF0D-4217-787C-F6DB-2DD1757763B5}"/>
               </a:ext>
             </a:extLst>
           </p:cNvPr>
@@ -2196,7 +2196,7 @@
           <p:cNvPr id="3" name="内容占位符 2">
             <a:extLst>
               <a:ext uri="{FF2B5EF4-FFF2-40B4-BE49-F238E27FC236}">
-                <a16:creationId xmlns:a16="http://schemas.microsoft.com/office/drawing/2014/main" id="{F61CAFB4-52C0-E630-86CE-650D29DEFAC5}"/>
+                <a16:creationId xmlns:a16="http://schemas.microsoft.com/office/drawing/2014/main" id="{C46CA051-F2BF-D422-7216-6C7E1A81FE69}"/>
               </a:ext>
             </a:extLst>
           </p:cNvPr>
@@ -2286,7 +2286,7 @@
           <p:cNvPr id="4" name="文本占位符 3">
             <a:extLst>
               <a:ext uri="{FF2B5EF4-FFF2-40B4-BE49-F238E27FC236}">
-                <a16:creationId xmlns:a16="http://schemas.microsoft.com/office/drawing/2014/main" id="{62BA3896-B087-F14E-2157-F610147D20B2}"/>
+                <a16:creationId xmlns:a16="http://schemas.microsoft.com/office/drawing/2014/main" id="{DF719DB9-CDE6-7426-2BC4-83333839698E}"/>
               </a:ext>
             </a:extLst>
           </p:cNvPr>
@@ -2357,7 +2357,7 @@
           <p:cNvPr id="5" name="日期占位符 4">
             <a:extLst>
               <a:ext uri="{FF2B5EF4-FFF2-40B4-BE49-F238E27FC236}">
-                <a16:creationId xmlns:a16="http://schemas.microsoft.com/office/drawing/2014/main" id="{B116A950-8CF4-4FC1-EF17-0E23A9DE4B61}"/>
+                <a16:creationId xmlns:a16="http://schemas.microsoft.com/office/drawing/2014/main" id="{BD782A76-ED48-DDBE-787D-C844E0CCF249}"/>
               </a:ext>
             </a:extLst>
           </p:cNvPr>
@@ -2373,7 +2373,7 @@
           <a:bodyPr/>
           <a:lstStyle/>
           <a:p>
-            <a:fld id="{D946F022-55B4-449B-AB19-3234B3436666}" type="datetimeFigureOut">
+            <a:fld id="{B16E2664-407C-4E5E-8A82-6183EA4F6D57}" type="datetimeFigureOut">
               <a:rPr lang="zh-CN" altLang="en-US" smtClean="0"/>
               <a:t>2024/3/10</a:t>
             </a:fld>
@@ -2386,7 +2386,7 @@
           <p:cNvPr id="6" name="页脚占位符 5">
             <a:extLst>
               <a:ext uri="{FF2B5EF4-FFF2-40B4-BE49-F238E27FC236}">
-                <a16:creationId xmlns:a16="http://schemas.microsoft.com/office/drawing/2014/main" id="{9D32BE0D-55AD-867C-3BBA-89B6FA3EE41E}"/>
+                <a16:creationId xmlns:a16="http://schemas.microsoft.com/office/drawing/2014/main" id="{77AFC737-66E1-4D69-4D96-3948A44FDD0E}"/>
               </a:ext>
             </a:extLst>
           </p:cNvPr>
@@ -2411,7 +2411,7 @@
           <p:cNvPr id="7" name="灯片编号占位符 6">
             <a:extLst>
               <a:ext uri="{FF2B5EF4-FFF2-40B4-BE49-F238E27FC236}">
-                <a16:creationId xmlns:a16="http://schemas.microsoft.com/office/drawing/2014/main" id="{8B5D6CA6-2F38-DA12-3488-230A757E7ABC}"/>
+                <a16:creationId xmlns:a16="http://schemas.microsoft.com/office/drawing/2014/main" id="{3E439950-63AC-09AA-B1D5-EC15F8183C4E}"/>
               </a:ext>
             </a:extLst>
           </p:cNvPr>
@@ -2427,7 +2427,7 @@
           <a:bodyPr/>
           <a:lstStyle/>
           <a:p>
-            <a:fld id="{201AE522-681E-4A51-8B4C-538CECB752ED}" type="slidenum">
+            <a:fld id="{D56778FD-8F01-4EE3-9302-19DB029D67D2}" type="slidenum">
               <a:rPr lang="zh-CN" altLang="en-US" smtClean="0"/>
               <a:t>‹#›</a:t>
             </a:fld>
@@ -2438,7 +2438,7 @@
     </p:spTree>
     <p:extLst>
       <p:ext uri="{BB962C8B-B14F-4D97-AF65-F5344CB8AC3E}">
-        <p14:creationId xmlns:p14="http://schemas.microsoft.com/office/powerpoint/2010/main" val="3636472442"/>
+        <p14:creationId xmlns:p14="http://schemas.microsoft.com/office/powerpoint/2010/main" val="1492620319"/>
       </p:ext>
     </p:extLst>
   </p:cSld>
@@ -2470,7 +2470,7 @@
           <p:cNvPr id="2" name="标题 1">
             <a:extLst>
               <a:ext uri="{FF2B5EF4-FFF2-40B4-BE49-F238E27FC236}">
-                <a16:creationId xmlns:a16="http://schemas.microsoft.com/office/drawing/2014/main" id="{816559C4-C588-87AC-7ACF-53A0684F5BF2}"/>
+                <a16:creationId xmlns:a16="http://schemas.microsoft.com/office/drawing/2014/main" id="{C7B9596E-0629-F600-14F2-4F7A4B303B45}"/>
               </a:ext>
             </a:extLst>
           </p:cNvPr>
@@ -2507,7 +2507,7 @@
           <p:cNvPr id="3" name="图片占位符 2">
             <a:extLst>
               <a:ext uri="{FF2B5EF4-FFF2-40B4-BE49-F238E27FC236}">
-                <a16:creationId xmlns:a16="http://schemas.microsoft.com/office/drawing/2014/main" id="{E09761E6-9BB4-9ABF-FC7D-DB7512EFABD6}"/>
+                <a16:creationId xmlns:a16="http://schemas.microsoft.com/office/drawing/2014/main" id="{48B7DD0C-17E0-6B45-F81C-44B6FF64FE9A}"/>
               </a:ext>
             </a:extLst>
           </p:cNvPr>
@@ -2574,7 +2574,7 @@
           <p:cNvPr id="4" name="文本占位符 3">
             <a:extLst>
               <a:ext uri="{FF2B5EF4-FFF2-40B4-BE49-F238E27FC236}">
-                <a16:creationId xmlns:a16="http://schemas.microsoft.com/office/drawing/2014/main" id="{58B6D3A6-C462-19EA-29DB-6D220315A433}"/>
+                <a16:creationId xmlns:a16="http://schemas.microsoft.com/office/drawing/2014/main" id="{A6670F0F-C2A5-9642-FE42-176B9E174497}"/>
               </a:ext>
             </a:extLst>
           </p:cNvPr>
@@ -2645,7 +2645,7 @@
           <p:cNvPr id="5" name="日期占位符 4">
             <a:extLst>
               <a:ext uri="{FF2B5EF4-FFF2-40B4-BE49-F238E27FC236}">
-                <a16:creationId xmlns:a16="http://schemas.microsoft.com/office/drawing/2014/main" id="{5EF26E75-9638-7FF8-CAEF-FC11CA7C5AD2}"/>
+                <a16:creationId xmlns:a16="http://schemas.microsoft.com/office/drawing/2014/main" id="{A919899E-3FF8-75CB-9FB8-931BA4D3E113}"/>
               </a:ext>
             </a:extLst>
           </p:cNvPr>
@@ -2661,7 +2661,7 @@
           <a:bodyPr/>
           <a:lstStyle/>
           <a:p>
-            <a:fld id="{D946F022-55B4-449B-AB19-3234B3436666}" type="datetimeFigureOut">
+            <a:fld id="{B16E2664-407C-4E5E-8A82-6183EA4F6D57}" type="datetimeFigureOut">
               <a:rPr lang="zh-CN" altLang="en-US" smtClean="0"/>
               <a:t>2024/3/10</a:t>
             </a:fld>
@@ -2674,7 +2674,7 @@
           <p:cNvPr id="6" name="页脚占位符 5">
             <a:extLst>
               <a:ext uri="{FF2B5EF4-FFF2-40B4-BE49-F238E27FC236}">
-                <a16:creationId xmlns:a16="http://schemas.microsoft.com/office/drawing/2014/main" id="{611DE818-35D1-4BD9-9D36-DF95E3BD7EF9}"/>
+                <a16:creationId xmlns:a16="http://schemas.microsoft.com/office/drawing/2014/main" id="{AD35F7CA-5F3A-C338-42B7-E94195B51A39}"/>
               </a:ext>
             </a:extLst>
           </p:cNvPr>
@@ -2699,7 +2699,7 @@
           <p:cNvPr id="7" name="灯片编号占位符 6">
             <a:extLst>
               <a:ext uri="{FF2B5EF4-FFF2-40B4-BE49-F238E27FC236}">
-                <a16:creationId xmlns:a16="http://schemas.microsoft.com/office/drawing/2014/main" id="{CA1338F7-E4BA-0A87-3DDA-488BC071D128}"/>
+                <a16:creationId xmlns:a16="http://schemas.microsoft.com/office/drawing/2014/main" id="{75B2A16A-6A0F-9C32-6F78-7FB767B2C353}"/>
               </a:ext>
             </a:extLst>
           </p:cNvPr>
@@ -2715,7 +2715,7 @@
           <a:bodyPr/>
           <a:lstStyle/>
           <a:p>
-            <a:fld id="{201AE522-681E-4A51-8B4C-538CECB752ED}" type="slidenum">
+            <a:fld id="{D56778FD-8F01-4EE3-9302-19DB029D67D2}" type="slidenum">
               <a:rPr lang="zh-CN" altLang="en-US" smtClean="0"/>
               <a:t>‹#›</a:t>
             </a:fld>
@@ -2726,7 +2726,7 @@
     </p:spTree>
     <p:extLst>
       <p:ext uri="{BB962C8B-B14F-4D97-AF65-F5344CB8AC3E}">
-        <p14:creationId xmlns:p14="http://schemas.microsoft.com/office/powerpoint/2010/main" val="655551214"/>
+        <p14:creationId xmlns:p14="http://schemas.microsoft.com/office/powerpoint/2010/main" val="1354073828"/>
       </p:ext>
     </p:extLst>
   </p:cSld>
@@ -2763,7 +2763,7 @@
           <p:cNvPr id="2" name="标题占位符 1">
             <a:extLst>
               <a:ext uri="{FF2B5EF4-FFF2-40B4-BE49-F238E27FC236}">
-                <a16:creationId xmlns:a16="http://schemas.microsoft.com/office/drawing/2014/main" id="{8237710C-BC52-9F6F-D51F-7A4087E84C05}"/>
+                <a16:creationId xmlns:a16="http://schemas.microsoft.com/office/drawing/2014/main" id="{05A54F46-4326-6C7D-E02D-E0073FE6725D}"/>
               </a:ext>
             </a:extLst>
           </p:cNvPr>
@@ -2801,7 +2801,7 @@
           <p:cNvPr id="3" name="文本占位符 2">
             <a:extLst>
               <a:ext uri="{FF2B5EF4-FFF2-40B4-BE49-F238E27FC236}">
-                <a16:creationId xmlns:a16="http://schemas.microsoft.com/office/drawing/2014/main" id="{BE1429B3-722C-9C31-668B-A574D5B89C6E}"/>
+                <a16:creationId xmlns:a16="http://schemas.microsoft.com/office/drawing/2014/main" id="{48980F23-8D07-9E2D-2E52-65F79DD3A068}"/>
               </a:ext>
             </a:extLst>
           </p:cNvPr>
@@ -2868,7 +2868,7 @@
           <p:cNvPr id="4" name="日期占位符 3">
             <a:extLst>
               <a:ext uri="{FF2B5EF4-FFF2-40B4-BE49-F238E27FC236}">
-                <a16:creationId xmlns:a16="http://schemas.microsoft.com/office/drawing/2014/main" id="{B1CA7692-BBEE-A322-B466-A1502D84125F}"/>
+                <a16:creationId xmlns:a16="http://schemas.microsoft.com/office/drawing/2014/main" id="{DF987DAE-D21E-A98F-6A5D-0B37285AC318}"/>
               </a:ext>
             </a:extLst>
           </p:cNvPr>
@@ -2902,7 +2902,7 @@
             </a:lvl1pPr>
           </a:lstStyle>
           <a:p>
-            <a:fld id="{D946F022-55B4-449B-AB19-3234B3436666}" type="datetimeFigureOut">
+            <a:fld id="{B16E2664-407C-4E5E-8A82-6183EA4F6D57}" type="datetimeFigureOut">
               <a:rPr lang="zh-CN" altLang="en-US" smtClean="0"/>
               <a:t>2024/3/10</a:t>
             </a:fld>
@@ -2915,7 +2915,7 @@
           <p:cNvPr id="5" name="页脚占位符 4">
             <a:extLst>
               <a:ext uri="{FF2B5EF4-FFF2-40B4-BE49-F238E27FC236}">
-                <a16:creationId xmlns:a16="http://schemas.microsoft.com/office/drawing/2014/main" id="{1288DEA5-E7FC-F6A5-6018-5860D741D08D}"/>
+                <a16:creationId xmlns:a16="http://schemas.microsoft.com/office/drawing/2014/main" id="{76A8BF8C-31F8-6B9C-A1AC-9645E5B70B84}"/>
               </a:ext>
             </a:extLst>
           </p:cNvPr>
@@ -2958,7 +2958,7 @@
           <p:cNvPr id="6" name="灯片编号占位符 5">
             <a:extLst>
               <a:ext uri="{FF2B5EF4-FFF2-40B4-BE49-F238E27FC236}">
-                <a16:creationId xmlns:a16="http://schemas.microsoft.com/office/drawing/2014/main" id="{33BAF598-7F5A-ACF0-4430-12C48DBBDA65}"/>
+                <a16:creationId xmlns:a16="http://schemas.microsoft.com/office/drawing/2014/main" id="{C5EF4DB0-F2D1-6C33-AB6D-36B4EFA48E62}"/>
               </a:ext>
             </a:extLst>
           </p:cNvPr>
@@ -2992,7 +2992,7 @@
             </a:lvl1pPr>
           </a:lstStyle>
           <a:p>
-            <a:fld id="{201AE522-681E-4A51-8B4C-538CECB752ED}" type="slidenum">
+            <a:fld id="{D56778FD-8F01-4EE3-9302-19DB029D67D2}" type="slidenum">
               <a:rPr lang="zh-CN" altLang="en-US" smtClean="0"/>
               <a:t>‹#›</a:t>
             </a:fld>
@@ -3003,7 +3003,7 @@
     </p:spTree>
     <p:extLst>
       <p:ext uri="{BB962C8B-B14F-4D97-AF65-F5344CB8AC3E}">
-        <p14:creationId xmlns:p14="http://schemas.microsoft.com/office/powerpoint/2010/main" val="203372182"/>
+        <p14:creationId xmlns:p14="http://schemas.microsoft.com/office/powerpoint/2010/main" val="1347269502"/>
       </p:ext>
     </p:extLst>
   </p:cSld>
